--- a/terraform_test_AWS/Loadbalancer/images/architecture.pptx
+++ b/terraform_test_AWS/Loadbalancer/images/architecture.pptx
@@ -5646,7 +5646,7 @@
           <p:nvPr>
             <p:extLst>
               <p:ext uri="{D42A27DB-BD31-4B8C-83A1-F6EECF244321}">
-                <p14:modId xmlns:p14="http://schemas.microsoft.com/office/powerpoint/2010/main" val="200514668"/>
+                <p14:modId xmlns:p14="http://schemas.microsoft.com/office/powerpoint/2010/main" val="3244105760"/>
               </p:ext>
             </p:extLst>
           </p:nvPr>
@@ -5658,8 +5658,8 @@
         <a:graphic>
           <a:graphicData uri="http://schemas.openxmlformats.org/drawingml/2006/table">
             <a:tbl>
-              <a:tblPr firstRow="1" bandRow="1">
-                <a:tableStyleId>{073A0DAA-6AF3-43AB-8588-CEC1D06C72B9}</a:tableStyleId>
+              <a:tblPr bandRow="1">
+                <a:tableStyleId>{D7AC3CCA-C797-4891-BE02-D94E43425B78}</a:tableStyleId>
               </a:tblPr>
               <a:tblGrid>
                 <a:gridCol w="978484">
